--- a/Manual/Controller Instruction Card.pptx
+++ b/Manual/Controller Instruction Card.pptx
@@ -8,7 +8,7 @@
     <p:sldId id="256" r:id="rId2"/>
   </p:sldIdLst>
   <p:sldSz cx="6858000" cy="9906000" type="A4"/>
-  <p:notesSz cx="6797675" cy="9926638"/>
+  <p:notesSz cx="7010400" cy="9296400"/>
   <p:defaultTextStyle>
     <a:defPPr>
       <a:defRPr lang="en-US"/>
@@ -104,6 +104,11 @@
       </a:defRPr>
     </a:lvl9pPr>
   </p:defaultTextStyle>
+  <p:extLst>
+    <p:ext uri="{EFAFB233-063F-42B5-8137-9DF3F51BA10A}">
+      <p15:sldGuideLst xmlns:p15="http://schemas.microsoft.com/office/powerpoint/2012/main"/>
+    </p:ext>
+  </p:extLst>
 </p:presentation>
 </file>
 
@@ -149,7 +154,7 @@
           </a:lstStyle>
           <a:p>
             <a:r>
-              <a:rPr lang="en-US" smtClean="0"/>
+              <a:rPr lang="en-US"/>
               <a:t>Click to edit Master title style</a:t>
             </a:r>
             <a:endParaRPr lang="en-US" dirty="0"/>
@@ -214,7 +219,7 @@
           </a:lstStyle>
           <a:p>
             <a:r>
-              <a:rPr lang="en-US" smtClean="0"/>
+              <a:rPr lang="en-US"/>
               <a:t>Click to edit Master subtitle style</a:t>
             </a:r>
             <a:endParaRPr lang="en-US" dirty="0"/>
@@ -238,7 +243,7 @@
           <a:p>
             <a:fld id="{154C4241-6C16-4C7A-BE83-C0366E3BF25D}" type="datetimeFigureOut">
               <a:rPr lang="en-AU" smtClean="0"/>
-              <a:t>30/07/2017</a:t>
+              <a:t>5/05/2018</a:t>
             </a:fld>
             <a:endParaRPr lang="en-AU"/>
           </a:p>
@@ -332,7 +337,7 @@
           <a:lstStyle/>
           <a:p>
             <a:r>
-              <a:rPr lang="en-US" smtClean="0"/>
+              <a:rPr lang="en-US"/>
               <a:t>Click to edit Master title style</a:t>
             </a:r>
             <a:endParaRPr lang="en-US" dirty="0"/>
@@ -356,35 +361,35 @@
           <a:p>
             <a:pPr lvl="0"/>
             <a:r>
-              <a:rPr lang="en-US" smtClean="0"/>
+              <a:rPr lang="en-US"/>
               <a:t>Click to edit Master text styles</a:t>
             </a:r>
           </a:p>
           <a:p>
             <a:pPr lvl="1"/>
             <a:r>
-              <a:rPr lang="en-US" smtClean="0"/>
+              <a:rPr lang="en-US"/>
               <a:t>Second level</a:t>
             </a:r>
           </a:p>
           <a:p>
             <a:pPr lvl="2"/>
             <a:r>
-              <a:rPr lang="en-US" smtClean="0"/>
+              <a:rPr lang="en-US"/>
               <a:t>Third level</a:t>
             </a:r>
           </a:p>
           <a:p>
             <a:pPr lvl="3"/>
             <a:r>
-              <a:rPr lang="en-US" smtClean="0"/>
+              <a:rPr lang="en-US"/>
               <a:t>Fourth level</a:t>
             </a:r>
           </a:p>
           <a:p>
             <a:pPr lvl="4"/>
             <a:r>
-              <a:rPr lang="en-US" smtClean="0"/>
+              <a:rPr lang="en-US"/>
               <a:t>Fifth level</a:t>
             </a:r>
             <a:endParaRPr lang="en-US" dirty="0"/>
@@ -408,7 +413,7 @@
           <a:p>
             <a:fld id="{154C4241-6C16-4C7A-BE83-C0366E3BF25D}" type="datetimeFigureOut">
               <a:rPr lang="en-AU" smtClean="0"/>
-              <a:t>30/07/2017</a:t>
+              <a:t>5/05/2018</a:t>
             </a:fld>
             <a:endParaRPr lang="en-AU"/>
           </a:p>
@@ -507,7 +512,7 @@
           <a:lstStyle/>
           <a:p>
             <a:r>
-              <a:rPr lang="en-US" smtClean="0"/>
+              <a:rPr lang="en-US"/>
               <a:t>Click to edit Master title style</a:t>
             </a:r>
             <a:endParaRPr lang="en-US" dirty="0"/>
@@ -536,35 +541,35 @@
           <a:p>
             <a:pPr lvl="0"/>
             <a:r>
-              <a:rPr lang="en-US" smtClean="0"/>
+              <a:rPr lang="en-US"/>
               <a:t>Click to edit Master text styles</a:t>
             </a:r>
           </a:p>
           <a:p>
             <a:pPr lvl="1"/>
             <a:r>
-              <a:rPr lang="en-US" smtClean="0"/>
+              <a:rPr lang="en-US"/>
               <a:t>Second level</a:t>
             </a:r>
           </a:p>
           <a:p>
             <a:pPr lvl="2"/>
             <a:r>
-              <a:rPr lang="en-US" smtClean="0"/>
+              <a:rPr lang="en-US"/>
               <a:t>Third level</a:t>
             </a:r>
           </a:p>
           <a:p>
             <a:pPr lvl="3"/>
             <a:r>
-              <a:rPr lang="en-US" smtClean="0"/>
+              <a:rPr lang="en-US"/>
               <a:t>Fourth level</a:t>
             </a:r>
           </a:p>
           <a:p>
             <a:pPr lvl="4"/>
             <a:r>
-              <a:rPr lang="en-US" smtClean="0"/>
+              <a:rPr lang="en-US"/>
               <a:t>Fifth level</a:t>
             </a:r>
             <a:endParaRPr lang="en-US" dirty="0"/>
@@ -588,7 +593,7 @@
           <a:p>
             <a:fld id="{154C4241-6C16-4C7A-BE83-C0366E3BF25D}" type="datetimeFigureOut">
               <a:rPr lang="en-AU" smtClean="0"/>
-              <a:t>30/07/2017</a:t>
+              <a:t>5/05/2018</a:t>
             </a:fld>
             <a:endParaRPr lang="en-AU"/>
           </a:p>
@@ -682,7 +687,7 @@
           <a:lstStyle/>
           <a:p>
             <a:r>
-              <a:rPr lang="en-US" smtClean="0"/>
+              <a:rPr lang="en-US"/>
               <a:t>Click to edit Master title style</a:t>
             </a:r>
             <a:endParaRPr lang="en-US" dirty="0"/>
@@ -706,35 +711,35 @@
           <a:p>
             <a:pPr lvl="0"/>
             <a:r>
-              <a:rPr lang="en-US" smtClean="0"/>
+              <a:rPr lang="en-US"/>
               <a:t>Click to edit Master text styles</a:t>
             </a:r>
           </a:p>
           <a:p>
             <a:pPr lvl="1"/>
             <a:r>
-              <a:rPr lang="en-US" smtClean="0"/>
+              <a:rPr lang="en-US"/>
               <a:t>Second level</a:t>
             </a:r>
           </a:p>
           <a:p>
             <a:pPr lvl="2"/>
             <a:r>
-              <a:rPr lang="en-US" smtClean="0"/>
+              <a:rPr lang="en-US"/>
               <a:t>Third level</a:t>
             </a:r>
           </a:p>
           <a:p>
             <a:pPr lvl="3"/>
             <a:r>
-              <a:rPr lang="en-US" smtClean="0"/>
+              <a:rPr lang="en-US"/>
               <a:t>Fourth level</a:t>
             </a:r>
           </a:p>
           <a:p>
             <a:pPr lvl="4"/>
             <a:r>
-              <a:rPr lang="en-US" smtClean="0"/>
+              <a:rPr lang="en-US"/>
               <a:t>Fifth level</a:t>
             </a:r>
             <a:endParaRPr lang="en-US" dirty="0"/>
@@ -758,7 +763,7 @@
           <a:p>
             <a:fld id="{154C4241-6C16-4C7A-BE83-C0366E3BF25D}" type="datetimeFigureOut">
               <a:rPr lang="en-AU" smtClean="0"/>
-              <a:t>30/07/2017</a:t>
+              <a:t>5/05/2018</a:t>
             </a:fld>
             <a:endParaRPr lang="en-AU"/>
           </a:p>
@@ -861,7 +866,7 @@
           </a:lstStyle>
           <a:p>
             <a:r>
-              <a:rPr lang="en-US" smtClean="0"/>
+              <a:rPr lang="en-US"/>
               <a:t>Click to edit Master title style</a:t>
             </a:r>
             <a:endParaRPr lang="en-US" dirty="0"/>
@@ -979,7 +984,7 @@
           <a:p>
             <a:pPr lvl="0"/>
             <a:r>
-              <a:rPr lang="en-US" smtClean="0"/>
+              <a:rPr lang="en-US"/>
               <a:t>Click to edit Master text styles</a:t>
             </a:r>
           </a:p>
@@ -1002,7 +1007,7 @@
           <a:p>
             <a:fld id="{154C4241-6C16-4C7A-BE83-C0366E3BF25D}" type="datetimeFigureOut">
               <a:rPr lang="en-AU" smtClean="0"/>
-              <a:t>30/07/2017</a:t>
+              <a:t>5/05/2018</a:t>
             </a:fld>
             <a:endParaRPr lang="en-AU"/>
           </a:p>
@@ -1096,7 +1101,7 @@
           <a:lstStyle/>
           <a:p>
             <a:r>
-              <a:rPr lang="en-US" smtClean="0"/>
+              <a:rPr lang="en-US"/>
               <a:t>Click to edit Master title style</a:t>
             </a:r>
             <a:endParaRPr lang="en-US" dirty="0"/>
@@ -1125,35 +1130,35 @@
           <a:p>
             <a:pPr lvl="0"/>
             <a:r>
-              <a:rPr lang="en-US" smtClean="0"/>
+              <a:rPr lang="en-US"/>
               <a:t>Click to edit Master text styles</a:t>
             </a:r>
           </a:p>
           <a:p>
             <a:pPr lvl="1"/>
             <a:r>
-              <a:rPr lang="en-US" smtClean="0"/>
+              <a:rPr lang="en-US"/>
               <a:t>Second level</a:t>
             </a:r>
           </a:p>
           <a:p>
             <a:pPr lvl="2"/>
             <a:r>
-              <a:rPr lang="en-US" smtClean="0"/>
+              <a:rPr lang="en-US"/>
               <a:t>Third level</a:t>
             </a:r>
           </a:p>
           <a:p>
             <a:pPr lvl="3"/>
             <a:r>
-              <a:rPr lang="en-US" smtClean="0"/>
+              <a:rPr lang="en-US"/>
               <a:t>Fourth level</a:t>
             </a:r>
           </a:p>
           <a:p>
             <a:pPr lvl="4"/>
             <a:r>
-              <a:rPr lang="en-US" smtClean="0"/>
+              <a:rPr lang="en-US"/>
               <a:t>Fifth level</a:t>
             </a:r>
             <a:endParaRPr lang="en-US" dirty="0"/>
@@ -1182,35 +1187,35 @@
           <a:p>
             <a:pPr lvl="0"/>
             <a:r>
-              <a:rPr lang="en-US" smtClean="0"/>
+              <a:rPr lang="en-US"/>
               <a:t>Click to edit Master text styles</a:t>
             </a:r>
           </a:p>
           <a:p>
             <a:pPr lvl="1"/>
             <a:r>
-              <a:rPr lang="en-US" smtClean="0"/>
+              <a:rPr lang="en-US"/>
               <a:t>Second level</a:t>
             </a:r>
           </a:p>
           <a:p>
             <a:pPr lvl="2"/>
             <a:r>
-              <a:rPr lang="en-US" smtClean="0"/>
+              <a:rPr lang="en-US"/>
               <a:t>Third level</a:t>
             </a:r>
           </a:p>
           <a:p>
             <a:pPr lvl="3"/>
             <a:r>
-              <a:rPr lang="en-US" smtClean="0"/>
+              <a:rPr lang="en-US"/>
               <a:t>Fourth level</a:t>
             </a:r>
           </a:p>
           <a:p>
             <a:pPr lvl="4"/>
             <a:r>
-              <a:rPr lang="en-US" smtClean="0"/>
+              <a:rPr lang="en-US"/>
               <a:t>Fifth level</a:t>
             </a:r>
             <a:endParaRPr lang="en-US" dirty="0"/>
@@ -1234,7 +1239,7 @@
           <a:p>
             <a:fld id="{154C4241-6C16-4C7A-BE83-C0366E3BF25D}" type="datetimeFigureOut">
               <a:rPr lang="en-AU" smtClean="0"/>
-              <a:t>30/07/2017</a:t>
+              <a:t>5/05/2018</a:t>
             </a:fld>
             <a:endParaRPr lang="en-AU"/>
           </a:p>
@@ -1333,7 +1338,7 @@
           <a:lstStyle/>
           <a:p>
             <a:r>
-              <a:rPr lang="en-US" smtClean="0"/>
+              <a:rPr lang="en-US"/>
               <a:t>Click to edit Master title style</a:t>
             </a:r>
             <a:endParaRPr lang="en-US" dirty="0"/>
@@ -1399,7 +1404,7 @@
           <a:p>
             <a:pPr lvl="0"/>
             <a:r>
-              <a:rPr lang="en-US" smtClean="0"/>
+              <a:rPr lang="en-US"/>
               <a:t>Click to edit Master text styles</a:t>
             </a:r>
           </a:p>
@@ -1427,35 +1432,35 @@
           <a:p>
             <a:pPr lvl="0"/>
             <a:r>
-              <a:rPr lang="en-US" smtClean="0"/>
+              <a:rPr lang="en-US"/>
               <a:t>Click to edit Master text styles</a:t>
             </a:r>
           </a:p>
           <a:p>
             <a:pPr lvl="1"/>
             <a:r>
-              <a:rPr lang="en-US" smtClean="0"/>
+              <a:rPr lang="en-US"/>
               <a:t>Second level</a:t>
             </a:r>
           </a:p>
           <a:p>
             <a:pPr lvl="2"/>
             <a:r>
-              <a:rPr lang="en-US" smtClean="0"/>
+              <a:rPr lang="en-US"/>
               <a:t>Third level</a:t>
             </a:r>
           </a:p>
           <a:p>
             <a:pPr lvl="3"/>
             <a:r>
-              <a:rPr lang="en-US" smtClean="0"/>
+              <a:rPr lang="en-US"/>
               <a:t>Fourth level</a:t>
             </a:r>
           </a:p>
           <a:p>
             <a:pPr lvl="4"/>
             <a:r>
-              <a:rPr lang="en-US" smtClean="0"/>
+              <a:rPr lang="en-US"/>
               <a:t>Fifth level</a:t>
             </a:r>
             <a:endParaRPr lang="en-US" dirty="0"/>
@@ -1521,7 +1526,7 @@
           <a:p>
             <a:pPr lvl="0"/>
             <a:r>
-              <a:rPr lang="en-US" smtClean="0"/>
+              <a:rPr lang="en-US"/>
               <a:t>Click to edit Master text styles</a:t>
             </a:r>
           </a:p>
@@ -1549,35 +1554,35 @@
           <a:p>
             <a:pPr lvl="0"/>
             <a:r>
-              <a:rPr lang="en-US" smtClean="0"/>
+              <a:rPr lang="en-US"/>
               <a:t>Click to edit Master text styles</a:t>
             </a:r>
           </a:p>
           <a:p>
             <a:pPr lvl="1"/>
             <a:r>
-              <a:rPr lang="en-US" smtClean="0"/>
+              <a:rPr lang="en-US"/>
               <a:t>Second level</a:t>
             </a:r>
           </a:p>
           <a:p>
             <a:pPr lvl="2"/>
             <a:r>
-              <a:rPr lang="en-US" smtClean="0"/>
+              <a:rPr lang="en-US"/>
               <a:t>Third level</a:t>
             </a:r>
           </a:p>
           <a:p>
             <a:pPr lvl="3"/>
             <a:r>
-              <a:rPr lang="en-US" smtClean="0"/>
+              <a:rPr lang="en-US"/>
               <a:t>Fourth level</a:t>
             </a:r>
           </a:p>
           <a:p>
             <a:pPr lvl="4"/>
             <a:r>
-              <a:rPr lang="en-US" smtClean="0"/>
+              <a:rPr lang="en-US"/>
               <a:t>Fifth level</a:t>
             </a:r>
             <a:endParaRPr lang="en-US" dirty="0"/>
@@ -1601,7 +1606,7 @@
           <a:p>
             <a:fld id="{154C4241-6C16-4C7A-BE83-C0366E3BF25D}" type="datetimeFigureOut">
               <a:rPr lang="en-AU" smtClean="0"/>
-              <a:t>30/07/2017</a:t>
+              <a:t>5/05/2018</a:t>
             </a:fld>
             <a:endParaRPr lang="en-AU"/>
           </a:p>
@@ -1695,7 +1700,7 @@
           <a:lstStyle/>
           <a:p>
             <a:r>
-              <a:rPr lang="en-US" smtClean="0"/>
+              <a:rPr lang="en-US"/>
               <a:t>Click to edit Master title style</a:t>
             </a:r>
             <a:endParaRPr lang="en-US" dirty="0"/>
@@ -1719,7 +1724,7 @@
           <a:p>
             <a:fld id="{154C4241-6C16-4C7A-BE83-C0366E3BF25D}" type="datetimeFigureOut">
               <a:rPr lang="en-AU" smtClean="0"/>
-              <a:t>30/07/2017</a:t>
+              <a:t>5/05/2018</a:t>
             </a:fld>
             <a:endParaRPr lang="en-AU"/>
           </a:p>
@@ -1814,7 +1819,7 @@
           <a:p>
             <a:fld id="{154C4241-6C16-4C7A-BE83-C0366E3BF25D}" type="datetimeFigureOut">
               <a:rPr lang="en-AU" smtClean="0"/>
-              <a:t>30/07/2017</a:t>
+              <a:t>5/05/2018</a:t>
             </a:fld>
             <a:endParaRPr lang="en-AU"/>
           </a:p>
@@ -1917,7 +1922,7 @@
           </a:lstStyle>
           <a:p>
             <a:r>
-              <a:rPr lang="en-US" smtClean="0"/>
+              <a:rPr lang="en-US"/>
               <a:t>Click to edit Master title style</a:t>
             </a:r>
             <a:endParaRPr lang="en-US" dirty="0"/>
@@ -1974,35 +1979,35 @@
           <a:p>
             <a:pPr lvl="0"/>
             <a:r>
-              <a:rPr lang="en-US" smtClean="0"/>
+              <a:rPr lang="en-US"/>
               <a:t>Click to edit Master text styles</a:t>
             </a:r>
           </a:p>
           <a:p>
             <a:pPr lvl="1"/>
             <a:r>
-              <a:rPr lang="en-US" smtClean="0"/>
+              <a:rPr lang="en-US"/>
               <a:t>Second level</a:t>
             </a:r>
           </a:p>
           <a:p>
             <a:pPr lvl="2"/>
             <a:r>
-              <a:rPr lang="en-US" smtClean="0"/>
+              <a:rPr lang="en-US"/>
               <a:t>Third level</a:t>
             </a:r>
           </a:p>
           <a:p>
             <a:pPr lvl="3"/>
             <a:r>
-              <a:rPr lang="en-US" smtClean="0"/>
+              <a:rPr lang="en-US"/>
               <a:t>Fourth level</a:t>
             </a:r>
           </a:p>
           <a:p>
             <a:pPr lvl="4"/>
             <a:r>
-              <a:rPr lang="en-US" smtClean="0"/>
+              <a:rPr lang="en-US"/>
               <a:t>Fifth level</a:t>
             </a:r>
             <a:endParaRPr lang="en-US" dirty="0"/>
@@ -2068,7 +2073,7 @@
           <a:p>
             <a:pPr lvl="0"/>
             <a:r>
-              <a:rPr lang="en-US" smtClean="0"/>
+              <a:rPr lang="en-US"/>
               <a:t>Click to edit Master text styles</a:t>
             </a:r>
           </a:p>
@@ -2091,7 +2096,7 @@
           <a:p>
             <a:fld id="{154C4241-6C16-4C7A-BE83-C0366E3BF25D}" type="datetimeFigureOut">
               <a:rPr lang="en-AU" smtClean="0"/>
-              <a:t>30/07/2017</a:t>
+              <a:t>5/05/2018</a:t>
             </a:fld>
             <a:endParaRPr lang="en-AU"/>
           </a:p>
@@ -2194,7 +2199,7 @@
           </a:lstStyle>
           <a:p>
             <a:r>
-              <a:rPr lang="en-US" smtClean="0"/>
+              <a:rPr lang="en-US"/>
               <a:t>Click to edit Master title style</a:t>
             </a:r>
             <a:endParaRPr lang="en-US" dirty="0"/>
@@ -2259,7 +2264,7 @@
           </a:lstStyle>
           <a:p>
             <a:r>
-              <a:rPr lang="en-US" smtClean="0"/>
+              <a:rPr lang="en-US"/>
               <a:t>Click icon to add picture</a:t>
             </a:r>
             <a:endParaRPr lang="en-US" dirty="0"/>
@@ -2325,7 +2330,7 @@
           <a:p>
             <a:pPr lvl="0"/>
             <a:r>
-              <a:rPr lang="en-US" smtClean="0"/>
+              <a:rPr lang="en-US"/>
               <a:t>Click to edit Master text styles</a:t>
             </a:r>
           </a:p>
@@ -2348,7 +2353,7 @@
           <a:p>
             <a:fld id="{154C4241-6C16-4C7A-BE83-C0366E3BF25D}" type="datetimeFigureOut">
               <a:rPr lang="en-AU" smtClean="0"/>
-              <a:t>30/07/2017</a:t>
+              <a:t>5/05/2018</a:t>
             </a:fld>
             <a:endParaRPr lang="en-AU"/>
           </a:p>
@@ -2457,7 +2462,7 @@
           <a:lstStyle/>
           <a:p>
             <a:r>
-              <a:rPr lang="en-US" smtClean="0"/>
+              <a:rPr lang="en-US"/>
               <a:t>Click to edit Master title style</a:t>
             </a:r>
             <a:endParaRPr lang="en-US" dirty="0"/>
@@ -2491,35 +2496,35 @@
           <a:p>
             <a:pPr lvl="0"/>
             <a:r>
-              <a:rPr lang="en-US" smtClean="0"/>
+              <a:rPr lang="en-US"/>
               <a:t>Click to edit Master text styles</a:t>
             </a:r>
           </a:p>
           <a:p>
             <a:pPr lvl="1"/>
             <a:r>
-              <a:rPr lang="en-US" smtClean="0"/>
+              <a:rPr lang="en-US"/>
               <a:t>Second level</a:t>
             </a:r>
           </a:p>
           <a:p>
             <a:pPr lvl="2"/>
             <a:r>
-              <a:rPr lang="en-US" smtClean="0"/>
+              <a:rPr lang="en-US"/>
               <a:t>Third level</a:t>
             </a:r>
           </a:p>
           <a:p>
             <a:pPr lvl="3"/>
             <a:r>
-              <a:rPr lang="en-US" smtClean="0"/>
+              <a:rPr lang="en-US"/>
               <a:t>Fourth level</a:t>
             </a:r>
           </a:p>
           <a:p>
             <a:pPr lvl="4"/>
             <a:r>
-              <a:rPr lang="en-US" smtClean="0"/>
+              <a:rPr lang="en-US"/>
               <a:t>Fifth level</a:t>
             </a:r>
             <a:endParaRPr lang="en-US" dirty="0"/>
@@ -2561,7 +2566,7 @@
           <a:p>
             <a:fld id="{154C4241-6C16-4C7A-BE83-C0366E3BF25D}" type="datetimeFigureOut">
               <a:rPr lang="en-AU" smtClean="0"/>
-              <a:t>30/07/2017</a:t>
+              <a:t>5/05/2018</a:t>
             </a:fld>
             <a:endParaRPr lang="en-AU"/>
           </a:p>
@@ -3025,7 +3030,7 @@
         <p:spPr>
           <a:xfrm>
             <a:off x="359228" y="1188506"/>
-            <a:ext cx="2700000" cy="4124206"/>
+            <a:ext cx="2700000" cy="4226798"/>
           </a:xfrm>
           <a:prstGeom prst="rect">
             <a:avLst/>
@@ -3040,20 +3045,8 @@
           <a:p>
             <a:pPr algn="ctr"/>
             <a:r>
-              <a:rPr lang="en-AU" sz="1200" b="1" dirty="0" smtClean="0"/>
-              <a:t>PLEASE TURN </a:t>
-            </a:r>
-            <a:r>
               <a:rPr lang="en-AU" sz="1200" b="1" dirty="0"/>
-              <a:t>OFF </a:t>
-            </a:r>
-            <a:r>
-              <a:rPr lang="en-AU" sz="1200" b="1" dirty="0" smtClean="0"/>
-              <a:t>THE CONTROLLER </a:t>
-            </a:r>
-            <a:r>
-              <a:rPr lang="en-AU" sz="1200" b="1" dirty="0"/>
-              <a:t>&amp; RETURN IT TO THE BAR AFTER USE</a:t>
+              <a:t>PLEASE TURN OFF THE CONTROLLER &amp; RETURN IT TO THE BAR AFTER USE</a:t>
             </a:r>
           </a:p>
           <a:p>
@@ -3164,11 +3157,21 @@
               <a:rPr lang="en-AU" sz="1100" dirty="0"/>
               <a:t>Use the USB charger from the bar.  Allow 4 hours. Do not leave on permanent charge.</a:t>
             </a:r>
-            <a:endParaRPr lang="en-AU" sz="1100" dirty="0">
-              <a:solidFill>
-                <a:srgbClr val="FF0000"/>
-              </a:solidFill>
-            </a:endParaRPr>
+          </a:p>
+          <a:p>
+            <a:pPr>
+              <a:spcAft>
+                <a:spcPts val="800"/>
+              </a:spcAft>
+            </a:pPr>
+            <a:r>
+              <a:rPr lang="en-AU" sz="1100" b="1" dirty="0">
+                <a:solidFill>
+                  <a:srgbClr val="FF0000"/>
+                </a:solidFill>
+              </a:rPr>
+              <a:t>The power switch must be ‘On’ to charge</a:t>
+            </a:r>
           </a:p>
           <a:p>
             <a:r>
@@ -3184,18 +3187,6 @@
             <a:r>
               <a:rPr lang="en-AU" sz="1100" dirty="0">
                 <a:hlinkClick r:id="rId2"/>
-              </a:rPr>
-              <a:t>president@wynnumrugby.com.au</a:t>
-            </a:r>
-            <a:r>
-              <a:rPr lang="en-AU" sz="1100" dirty="0"/>
-              <a:t> or go to</a:t>
-            </a:r>
-          </a:p>
-          <a:p>
-            <a:r>
-              <a:rPr lang="en-AU" sz="1100" dirty="0">
-                <a:hlinkClick r:id="rId3"/>
               </a:rPr>
               <a:t>http://wynnumrugby.com.au/contact-us/</a:t>
             </a:r>
@@ -3231,9 +3222,27 @@
                 <a:tableStyleId>{2D5ABB26-0587-4C30-8999-92F81FD0307C}</a:tableStyleId>
               </a:tblPr>
               <a:tblGrid>
-                <a:gridCol w="250823"/>
-                <a:gridCol w="814610"/>
-                <a:gridCol w="1454713"/>
+                <a:gridCol w="250823">
+                  <a:extLst>
+                    <a:ext uri="{9D8B030D-6E8A-4147-A177-3AD203B41FA5}">
+                      <a16:colId xmlns:a16="http://schemas.microsoft.com/office/drawing/2014/main" val="20000"/>
+                    </a:ext>
+                  </a:extLst>
+                </a:gridCol>
+                <a:gridCol w="814610">
+                  <a:extLst>
+                    <a:ext uri="{9D8B030D-6E8A-4147-A177-3AD203B41FA5}">
+                      <a16:colId xmlns:a16="http://schemas.microsoft.com/office/drawing/2014/main" val="20001"/>
+                    </a:ext>
+                  </a:extLst>
+                </a:gridCol>
+                <a:gridCol w="1454713">
+                  <a:extLst>
+                    <a:ext uri="{9D8B030D-6E8A-4147-A177-3AD203B41FA5}">
+                      <a16:colId xmlns:a16="http://schemas.microsoft.com/office/drawing/2014/main" val="20002"/>
+                    </a:ext>
+                  </a:extLst>
+                </a:gridCol>
               </a:tblGrid>
               <a:tr h="396240">
                 <a:tc>
@@ -3297,19 +3306,19 @@
                     <a:lstStyle/>
                     <a:p>
                       <a:r>
-                        <a:rPr lang="en-AU" sz="1000" dirty="0" smtClean="0"/>
+                        <a:rPr lang="en-AU" sz="1000" dirty="0"/>
                         <a:t>Long flash</a:t>
                       </a:r>
                       <a:r>
-                        <a:rPr lang="en-AU" sz="1000" baseline="0" dirty="0" smtClean="0"/>
+                        <a:rPr lang="en-AU" sz="1000" baseline="0" dirty="0"/>
                         <a:t> </a:t>
                       </a:r>
                       <a:r>
-                        <a:rPr lang="en-AU" sz="1000" dirty="0" smtClean="0"/>
+                        <a:rPr lang="en-AU" sz="1000" dirty="0"/>
                         <a:t>every 2</a:t>
                       </a:r>
                       <a:r>
-                        <a:rPr lang="en-AU" sz="1000" baseline="0" dirty="0" smtClean="0"/>
+                        <a:rPr lang="en-AU" sz="1000" baseline="0" dirty="0"/>
                         <a:t> secs</a:t>
                       </a:r>
                       <a:endParaRPr lang="en-AU" sz="1000" dirty="0"/>
@@ -3368,11 +3377,11 @@
                     <a:lstStyle/>
                     <a:p>
                       <a:r>
-                        <a:rPr lang="en-AU" sz="1000" dirty="0" smtClean="0"/>
+                        <a:rPr lang="en-AU" sz="1000" dirty="0"/>
                         <a:t>Low battery – charge</a:t>
                       </a:r>
                       <a:r>
-                        <a:rPr lang="en-AU" sz="1000" baseline="0" dirty="0" smtClean="0"/>
+                        <a:rPr lang="en-AU" sz="1000" baseline="0" dirty="0"/>
                         <a:t> immediately</a:t>
                       </a:r>
                       <a:endParaRPr lang="en-AU" sz="1000" dirty="0"/>
@@ -3425,6 +3434,11 @@
                     </a:lnB>
                   </a:tcPr>
                 </a:tc>
+                <a:extLst>
+                  <a:ext uri="{0D108BD9-81ED-4DB2-BD59-A6C34878D82A}">
+                    <a16:rowId xmlns:a16="http://schemas.microsoft.com/office/drawing/2014/main" val="10000"/>
+                  </a:ext>
+                </a:extLst>
               </a:tr>
               <a:tr h="396240">
                 <a:tc>
@@ -3488,11 +3502,11 @@
                     <a:lstStyle/>
                     <a:p>
                       <a:r>
-                        <a:rPr lang="en-AU" sz="1000" dirty="0" smtClean="0"/>
+                        <a:rPr lang="en-AU" sz="1000" dirty="0"/>
                         <a:t>Short flash</a:t>
                       </a:r>
                       <a:r>
-                        <a:rPr lang="en-AU" sz="1000" baseline="0" dirty="0" smtClean="0"/>
+                        <a:rPr lang="en-AU" sz="1000" baseline="0" dirty="0"/>
                         <a:t> per second </a:t>
                       </a:r>
                       <a:endParaRPr lang="en-AU" sz="1000" dirty="0"/>
@@ -3551,19 +3565,19 @@
                     <a:lstStyle/>
                     <a:p>
                       <a:r>
-                        <a:rPr lang="en-AU" sz="1000" dirty="0" smtClean="0"/>
+                        <a:rPr lang="en-AU" sz="1000" dirty="0"/>
                         <a:t>Error</a:t>
                       </a:r>
                       <a:r>
-                        <a:rPr lang="en-AU" sz="1000" baseline="0" dirty="0" smtClean="0"/>
+                        <a:rPr lang="en-AU" sz="1000" baseline="0" dirty="0"/>
                         <a:t> – n</a:t>
                       </a:r>
                       <a:r>
-                        <a:rPr lang="en-AU" sz="1000" dirty="0" smtClean="0"/>
+                        <a:rPr lang="en-AU" sz="1000" dirty="0"/>
                         <a:t>o</a:t>
                       </a:r>
                       <a:r>
-                        <a:rPr lang="en-AU" sz="1000" baseline="0" dirty="0" smtClean="0"/>
+                        <a:rPr lang="en-AU" sz="1000" baseline="0" dirty="0"/>
                         <a:t> signal or out of range – move closer</a:t>
                       </a:r>
                       <a:endParaRPr lang="en-AU" sz="1000" dirty="0"/>
@@ -3616,6 +3630,11 @@
                     </a:lnB>
                   </a:tcPr>
                 </a:tc>
+                <a:extLst>
+                  <a:ext uri="{0D108BD9-81ED-4DB2-BD59-A6C34878D82A}">
+                    <a16:rowId xmlns:a16="http://schemas.microsoft.com/office/drawing/2014/main" val="10001"/>
+                  </a:ext>
+                </a:extLst>
               </a:tr>
               <a:tr h="396240">
                 <a:tc>
@@ -3679,10 +3698,9 @@
                     <a:lstStyle/>
                     <a:p>
                       <a:r>
-                        <a:rPr lang="en-AU" sz="1000" dirty="0" smtClean="0"/>
+                        <a:rPr lang="en-AU" sz="1000" dirty="0"/>
                         <a:t>Short flash per second</a:t>
                       </a:r>
-                      <a:endParaRPr lang="en-AU" sz="1000" dirty="0"/>
                     </a:p>
                   </a:txBody>
                   <a:tcPr marT="45721" marB="45721" anchor="ctr">
@@ -3738,11 +3756,11 @@
                     <a:lstStyle/>
                     <a:p>
                       <a:r>
-                        <a:rPr lang="en-AU" sz="1000" dirty="0" smtClean="0"/>
+                        <a:rPr lang="en-AU" sz="1000" dirty="0"/>
                         <a:t>Normal</a:t>
                       </a:r>
                       <a:r>
-                        <a:rPr lang="en-AU" sz="1000" baseline="0" dirty="0" smtClean="0"/>
+                        <a:rPr lang="en-AU" sz="1000" baseline="0" dirty="0"/>
                         <a:t> – sending or receiving score data</a:t>
                       </a:r>
                       <a:endParaRPr lang="en-AU" sz="1000" dirty="0"/>
@@ -3795,6 +3813,11 @@
                     </a:lnB>
                   </a:tcPr>
                 </a:tc>
+                <a:extLst>
+                  <a:ext uri="{0D108BD9-81ED-4DB2-BD59-A6C34878D82A}">
+                    <a16:rowId xmlns:a16="http://schemas.microsoft.com/office/drawing/2014/main" val="10002"/>
+                  </a:ext>
+                </a:extLst>
               </a:tr>
               <a:tr h="396240">
                 <a:tc>
@@ -3875,14 +3898,14 @@
                         <a:defRPr/>
                       </a:pPr>
                       <a:r>
-                        <a:rPr lang="en-AU" sz="1000" dirty="0" smtClean="0"/>
+                        <a:rPr lang="en-AU" sz="1000" dirty="0"/>
                         <a:t>Short flash</a:t>
                       </a:r>
                       <a:r>
-                        <a:rPr lang="en-AU" sz="1000" baseline="0" dirty="0" smtClean="0"/>
+                        <a:rPr lang="en-AU" sz="1000" baseline="0" dirty="0"/>
                         <a:t> occasionally</a:t>
                       </a:r>
-                      <a:endParaRPr lang="en-AU" sz="1000" dirty="0" smtClean="0"/>
+                      <a:endParaRPr lang="en-AU" sz="1000" dirty="0"/>
                     </a:p>
                   </a:txBody>
                   <a:tcPr marT="45721" marB="45721" anchor="ctr">
@@ -3938,26 +3961,25 @@
                     <a:lstStyle/>
                     <a:p>
                       <a:r>
-                        <a:rPr lang="en-AU" sz="1000" dirty="0" smtClean="0"/>
+                        <a:rPr lang="en-AU" sz="1000" dirty="0"/>
                         <a:t>Normal</a:t>
                       </a:r>
                       <a:r>
-                        <a:rPr lang="en-AU" sz="1000" baseline="0" dirty="0" smtClean="0"/>
+                        <a:rPr lang="en-AU" sz="1000" baseline="0" dirty="0"/>
                         <a:t> </a:t>
                       </a:r>
                       <a:r>
-                        <a:rPr lang="en-AU" sz="1000" dirty="0" smtClean="0"/>
+                        <a:rPr lang="en-AU" sz="1000" dirty="0"/>
                         <a:t>– sending or receiving </a:t>
                       </a:r>
                       <a:r>
-                        <a:rPr lang="en-AU" sz="1000" dirty="0" err="1" smtClean="0"/>
+                        <a:rPr lang="en-AU" sz="1000" dirty="0" err="1"/>
                         <a:t>WiFi</a:t>
                       </a:r>
                       <a:r>
-                        <a:rPr lang="en-AU" sz="1000" dirty="0" smtClean="0"/>
+                        <a:rPr lang="en-AU" sz="1000" dirty="0"/>
                         <a:t> data</a:t>
                       </a:r>
-                      <a:endParaRPr lang="en-AU" sz="1000" dirty="0"/>
                     </a:p>
                   </a:txBody>
                   <a:tcPr marT="45721" marB="45721" anchor="ctr">
@@ -4007,6 +4029,11 @@
                     </a:lnB>
                   </a:tcPr>
                 </a:tc>
+                <a:extLst>
+                  <a:ext uri="{0D108BD9-81ED-4DB2-BD59-A6C34878D82A}">
+                    <a16:rowId xmlns:a16="http://schemas.microsoft.com/office/drawing/2014/main" val="10003"/>
+                  </a:ext>
+                </a:extLst>
               </a:tr>
             </a:tbl>
           </a:graphicData>
@@ -4021,7 +4048,7 @@
           <p:nvPr/>
         </p:nvPicPr>
         <p:blipFill>
-          <a:blip r:embed="rId4" cstate="print">
+          <a:blip r:embed="rId3" cstate="print">
             <a:extLst>
               <a:ext uri="{28A0092B-C50C-407E-A947-70E740481C1C}">
                 <a14:useLocalDpi xmlns:a14="http://schemas.microsoft.com/office/drawing/2010/main" val="0"/>
@@ -4051,7 +4078,7 @@
           <p:nvPr/>
         </p:nvPicPr>
         <p:blipFill>
-          <a:blip r:embed="rId5" cstate="print">
+          <a:blip r:embed="rId4" cstate="print">
             <a:extLst>
               <a:ext uri="{28A0092B-C50C-407E-A947-70E740481C1C}">
                 <a14:useLocalDpi xmlns:a14="http://schemas.microsoft.com/office/drawing/2010/main" val="0"/>
@@ -4081,7 +4108,7 @@
           <p:nvPr/>
         </p:nvPicPr>
         <p:blipFill>
-          <a:blip r:embed="rId6" cstate="print">
+          <a:blip r:embed="rId5" cstate="print">
             <a:extLst>
               <a:ext uri="{28A0092B-C50C-407E-A947-70E740481C1C}">
                 <a14:useLocalDpi xmlns:a14="http://schemas.microsoft.com/office/drawing/2010/main" val="0"/>
@@ -4111,7 +4138,7 @@
           <p:nvPr/>
         </p:nvPicPr>
         <p:blipFill>
-          <a:blip r:embed="rId4" cstate="print">
+          <a:blip r:embed="rId3" cstate="print">
             <a:extLst>
               <a:ext uri="{28A0092B-C50C-407E-A947-70E740481C1C}">
                 <a14:useLocalDpi xmlns:a14="http://schemas.microsoft.com/office/drawing/2010/main" val="0"/>
@@ -4141,7 +4168,7 @@
           <p:nvPr/>
         </p:nvPicPr>
         <p:blipFill>
-          <a:blip r:embed="rId7" cstate="print">
+          <a:blip r:embed="rId6" cstate="print">
             <a:extLst>
               <a:ext uri="{28A0092B-C50C-407E-A947-70E740481C1C}">
                 <a14:useLocalDpi xmlns:a14="http://schemas.microsoft.com/office/drawing/2010/main" val="0"/>
